--- a/WHO Life expectancy analysis- LI.pptx
+++ b/WHO Life expectancy analysis- LI.pptx
@@ -5,11 +5,15 @@
     <p:sldMasterId id="2147483648" r:id="rId1"/>
   </p:sldMasterIdLst>
   <p:sldIdLst>
-    <p:sldId id="260" r:id="rId2"/>
-    <p:sldId id="261" r:id="rId3"/>
-    <p:sldId id="262" r:id="rId4"/>
-    <p:sldId id="259" r:id="rId5"/>
-    <p:sldId id="263" r:id="rId6"/>
+    <p:sldId id="264" r:id="rId2"/>
+    <p:sldId id="265" r:id="rId3"/>
+    <p:sldId id="266" r:id="rId4"/>
+    <p:sldId id="267" r:id="rId5"/>
+    <p:sldId id="260" r:id="rId6"/>
+    <p:sldId id="261" r:id="rId7"/>
+    <p:sldId id="262" r:id="rId8"/>
+    <p:sldId id="259" r:id="rId9"/>
+    <p:sldId id="263" r:id="rId10"/>
   </p:sldIdLst>
   <p:sldSz cx="10058400" cy="7772400"/>
   <p:notesSz cx="10058400" cy="7772400"/>
@@ -127,12 +131,20 @@
 </p:presentation>
 </file>
 
+<file path=ppt/revisionInfo.xml><?xml version="1.0" encoding="utf-8"?>
+<p1510:revInfo xmlns:a="http://schemas.openxmlformats.org/drawingml/2006/main" xmlns:r="http://schemas.openxmlformats.org/officeDocument/2006/relationships" xmlns:p1510="http://schemas.microsoft.com/office/powerpoint/2015/10/main">
+  <p1510:revLst>
+    <p1510:client id="{E633980E-9CC9-4F19-A0AA-C46C317D1B4D}" v="11" dt="2022-11-22T20:59:53.848"/>
+  </p1510:revLst>
+</p1510:revInfo>
+</file>
+
 <file path=ppt/changesInfos/changesInfo1.xml><?xml version="1.0" encoding="utf-8"?>
 <pc:chgInfo xmlns:a="http://schemas.openxmlformats.org/drawingml/2006/main" xmlns:r="http://schemas.openxmlformats.org/officeDocument/2006/relationships" xmlns:ac="http://schemas.microsoft.com/office/drawing/2013/main/command" xmlns:pc="http://schemas.microsoft.com/office/powerpoint/2013/main/command">
   <pc:docChgLst>
     <pc:chgData name="lucy lola" userId="059c55e8d42f04d2" providerId="LiveId" clId="{E633980E-9CC9-4F19-A0AA-C46C317D1B4D}"/>
-    <pc:docChg chg="delSld modSld sldOrd">
-      <pc:chgData name="lucy lola" userId="059c55e8d42f04d2" providerId="LiveId" clId="{E633980E-9CC9-4F19-A0AA-C46C317D1B4D}" dt="2022-11-22T19:53:38.451" v="12" actId="14100"/>
+    <pc:docChg chg="undo custSel addSld delSld modSld sldOrd">
+      <pc:chgData name="lucy lola" userId="059c55e8d42f04d2" providerId="LiveId" clId="{E633980E-9CC9-4F19-A0AA-C46C317D1B4D}" dt="2022-11-22T21:02:13.522" v="1214" actId="14100"/>
       <pc:docMkLst>
         <pc:docMk/>
       </pc:docMkLst>
@@ -200,6 +212,290 @@
             <ac:spMk id="2" creationId="{B3B6CE23-1F51-3AD9-3022-2394820198AD}"/>
           </ac:spMkLst>
         </pc:spChg>
+      </pc:sldChg>
+      <pc:sldChg chg="addSp delSp modSp new mod ord">
+        <pc:chgData name="lucy lola" userId="059c55e8d42f04d2" providerId="LiveId" clId="{E633980E-9CC9-4F19-A0AA-C46C317D1B4D}" dt="2022-11-22T21:02:13.522" v="1214" actId="14100"/>
+        <pc:sldMkLst>
+          <pc:docMk/>
+          <pc:sldMk cId="1735285562" sldId="264"/>
+        </pc:sldMkLst>
+        <pc:spChg chg="mod">
+          <ac:chgData name="lucy lola" userId="059c55e8d42f04d2" providerId="LiveId" clId="{E633980E-9CC9-4F19-A0AA-C46C317D1B4D}" dt="2022-11-22T20:31:03.103" v="80" actId="1076"/>
+          <ac:spMkLst>
+            <pc:docMk/>
+            <pc:sldMk cId="1735285562" sldId="264"/>
+            <ac:spMk id="2" creationId="{186A3389-588A-3131-90AE-0E7903FB265C}"/>
+          </ac:spMkLst>
+        </pc:spChg>
+        <pc:spChg chg="del">
+          <ac:chgData name="lucy lola" userId="059c55e8d42f04d2" providerId="LiveId" clId="{E633980E-9CC9-4F19-A0AA-C46C317D1B4D}" dt="2022-11-22T20:25:06.428" v="16" actId="22"/>
+          <ac:spMkLst>
+            <pc:docMk/>
+            <pc:sldMk cId="1735285562" sldId="264"/>
+            <ac:spMk id="3" creationId="{94DE4B88-34EF-FB40-AD8A-605FC1E1D313}"/>
+          </ac:spMkLst>
+        </pc:spChg>
+        <pc:spChg chg="del mod">
+          <ac:chgData name="lucy lola" userId="059c55e8d42f04d2" providerId="LiveId" clId="{E633980E-9CC9-4F19-A0AA-C46C317D1B4D}" dt="2022-11-22T20:27:43.103" v="43" actId="22"/>
+          <ac:spMkLst>
+            <pc:docMk/>
+            <pc:sldMk cId="1735285562" sldId="264"/>
+            <ac:spMk id="4" creationId="{C7308E7D-FE00-902F-088A-7813B835B01E}"/>
+          </ac:spMkLst>
+        </pc:spChg>
+        <pc:spChg chg="add del mod">
+          <ac:chgData name="lucy lola" userId="059c55e8d42f04d2" providerId="LiveId" clId="{E633980E-9CC9-4F19-A0AA-C46C317D1B4D}" dt="2022-11-22T20:31:03.447" v="82"/>
+          <ac:spMkLst>
+            <pc:docMk/>
+            <pc:sldMk cId="1735285562" sldId="264"/>
+            <ac:spMk id="11" creationId="{8F94CB00-7D59-7E51-2436-40F3528F3C06}"/>
+          </ac:spMkLst>
+        </pc:spChg>
+        <pc:spChg chg="add mod">
+          <ac:chgData name="lucy lola" userId="059c55e8d42f04d2" providerId="LiveId" clId="{E633980E-9CC9-4F19-A0AA-C46C317D1B4D}" dt="2022-11-22T21:01:56.868" v="1211" actId="207"/>
+          <ac:spMkLst>
+            <pc:docMk/>
+            <pc:sldMk cId="1735285562" sldId="264"/>
+            <ac:spMk id="12" creationId="{DF090432-0C96-8BC9-915D-ADB44A67B99B}"/>
+          </ac:spMkLst>
+        </pc:spChg>
+        <pc:spChg chg="add del mod">
+          <ac:chgData name="lucy lola" userId="059c55e8d42f04d2" providerId="LiveId" clId="{E633980E-9CC9-4F19-A0AA-C46C317D1B4D}" dt="2022-11-22T20:33:48.171" v="209"/>
+          <ac:spMkLst>
+            <pc:docMk/>
+            <pc:sldMk cId="1735285562" sldId="264"/>
+            <ac:spMk id="16" creationId="{96D0CBBC-34B4-A4F9-E856-2837D654B3E2}"/>
+          </ac:spMkLst>
+        </pc:spChg>
+        <pc:spChg chg="add mod">
+          <ac:chgData name="lucy lola" userId="059c55e8d42f04d2" providerId="LiveId" clId="{E633980E-9CC9-4F19-A0AA-C46C317D1B4D}" dt="2022-11-22T21:02:06.679" v="1213" actId="313"/>
+          <ac:spMkLst>
+            <pc:docMk/>
+            <pc:sldMk cId="1735285562" sldId="264"/>
+            <ac:spMk id="18" creationId="{AB42B4DC-F81A-59BC-59D1-09242AEAC236}"/>
+          </ac:spMkLst>
+        </pc:spChg>
+        <pc:picChg chg="add mod ord modCrop">
+          <ac:chgData name="lucy lola" userId="059c55e8d42f04d2" providerId="LiveId" clId="{E633980E-9CC9-4F19-A0AA-C46C317D1B4D}" dt="2022-11-22T21:02:13.522" v="1214" actId="14100"/>
+          <ac:picMkLst>
+            <pc:docMk/>
+            <pc:sldMk cId="1735285562" sldId="264"/>
+            <ac:picMk id="8" creationId="{256A3976-BCA0-EC94-3D3F-DB115B02560F}"/>
+          </ac:picMkLst>
+        </pc:picChg>
+        <pc:picChg chg="add del mod ord modCrop">
+          <ac:chgData name="lucy lola" userId="059c55e8d42f04d2" providerId="LiveId" clId="{E633980E-9CC9-4F19-A0AA-C46C317D1B4D}" dt="2022-11-22T20:33:25.848" v="205" actId="21"/>
+          <ac:picMkLst>
+            <pc:docMk/>
+            <pc:sldMk cId="1735285562" sldId="264"/>
+            <ac:picMk id="10" creationId="{91F8FB76-577A-D6C1-C064-AAE96E38B4BA}"/>
+          </ac:picMkLst>
+        </pc:picChg>
+        <pc:picChg chg="add del mod modCrop">
+          <ac:chgData name="lucy lola" userId="059c55e8d42f04d2" providerId="LiveId" clId="{E633980E-9CC9-4F19-A0AA-C46C317D1B4D}" dt="2022-11-22T20:33:44.252" v="208" actId="21"/>
+          <ac:picMkLst>
+            <pc:docMk/>
+            <pc:sldMk cId="1735285562" sldId="264"/>
+            <ac:picMk id="14" creationId="{C3027319-D8C1-2E86-160B-39A2AF32691E}"/>
+          </ac:picMkLst>
+        </pc:picChg>
+        <pc:picChg chg="add mod">
+          <ac:chgData name="lucy lola" userId="059c55e8d42f04d2" providerId="LiveId" clId="{E633980E-9CC9-4F19-A0AA-C46C317D1B4D}" dt="2022-11-22T20:34:01.030" v="213" actId="14100"/>
+          <ac:picMkLst>
+            <pc:docMk/>
+            <pc:sldMk cId="1735285562" sldId="264"/>
+            <ac:picMk id="17" creationId="{79070184-222D-8FCA-5412-CE7EF6500A9F}"/>
+          </ac:picMkLst>
+        </pc:picChg>
+      </pc:sldChg>
+      <pc:sldChg chg="addSp delSp modSp new mod">
+        <pc:chgData name="lucy lola" userId="059c55e8d42f04d2" providerId="LiveId" clId="{E633980E-9CC9-4F19-A0AA-C46C317D1B4D}" dt="2022-11-22T21:01:48.709" v="1210" actId="1076"/>
+        <pc:sldMkLst>
+          <pc:docMk/>
+          <pc:sldMk cId="3690773573" sldId="265"/>
+        </pc:sldMkLst>
+        <pc:spChg chg="mod">
+          <ac:chgData name="lucy lola" userId="059c55e8d42f04d2" providerId="LiveId" clId="{E633980E-9CC9-4F19-A0AA-C46C317D1B4D}" dt="2022-11-22T20:38:10.340" v="481" actId="1076"/>
+          <ac:spMkLst>
+            <pc:docMk/>
+            <pc:sldMk cId="3690773573" sldId="265"/>
+            <ac:spMk id="2" creationId="{9BB2EC30-BEF8-4067-706D-91077B5C392F}"/>
+          </ac:spMkLst>
+        </pc:spChg>
+        <pc:spChg chg="del">
+          <ac:chgData name="lucy lola" userId="059c55e8d42f04d2" providerId="LiveId" clId="{E633980E-9CC9-4F19-A0AA-C46C317D1B4D}" dt="2022-11-22T20:38:30.341" v="482" actId="22"/>
+          <ac:spMkLst>
+            <pc:docMk/>
+            <pc:sldMk cId="3690773573" sldId="265"/>
+            <ac:spMk id="3" creationId="{F37A1A1D-1D75-1964-8F62-04B626758B26}"/>
+          </ac:spMkLst>
+        </pc:spChg>
+        <pc:spChg chg="del mod">
+          <ac:chgData name="lucy lola" userId="059c55e8d42f04d2" providerId="LiveId" clId="{E633980E-9CC9-4F19-A0AA-C46C317D1B4D}" dt="2022-11-22T20:40:06.739" v="493" actId="22"/>
+          <ac:spMkLst>
+            <pc:docMk/>
+            <pc:sldMk cId="3690773573" sldId="265"/>
+            <ac:spMk id="4" creationId="{6DD83248-70AB-D9B7-D616-788A0CE2FA45}"/>
+          </ac:spMkLst>
+        </pc:spChg>
+        <pc:spChg chg="add del mod">
+          <ac:chgData name="lucy lola" userId="059c55e8d42f04d2" providerId="LiveId" clId="{E633980E-9CC9-4F19-A0AA-C46C317D1B4D}" dt="2022-11-22T20:41:03.558" v="505" actId="22"/>
+          <ac:spMkLst>
+            <pc:docMk/>
+            <pc:sldMk cId="3690773573" sldId="265"/>
+            <ac:spMk id="10" creationId="{49D0D9A4-6047-343E-5069-3DA0E61A0EE2}"/>
+          </ac:spMkLst>
+        </pc:spChg>
+        <pc:spChg chg="add del mod">
+          <ac:chgData name="lucy lola" userId="059c55e8d42f04d2" providerId="LiveId" clId="{E633980E-9CC9-4F19-A0AA-C46C317D1B4D}" dt="2022-11-22T21:01:48.709" v="1210" actId="1076"/>
+          <ac:spMkLst>
+            <pc:docMk/>
+            <pc:sldMk cId="3690773573" sldId="265"/>
+            <ac:spMk id="13" creationId="{5AE06E17-D2C9-9DA8-0E8A-CBEA1443107A}"/>
+          </ac:spMkLst>
+        </pc:spChg>
+        <pc:spChg chg="add mod">
+          <ac:chgData name="lucy lola" userId="059c55e8d42f04d2" providerId="LiveId" clId="{E633980E-9CC9-4F19-A0AA-C46C317D1B4D}" dt="2022-11-22T21:01:39.118" v="1208" actId="207"/>
+          <ac:spMkLst>
+            <pc:docMk/>
+            <pc:sldMk cId="3690773573" sldId="265"/>
+            <ac:spMk id="14" creationId="{6BD6EB0E-5F87-7C74-65C2-5B9B8C054488}"/>
+          </ac:spMkLst>
+        </pc:spChg>
+        <pc:picChg chg="add del mod ord modCrop">
+          <ac:chgData name="lucy lola" userId="059c55e8d42f04d2" providerId="LiveId" clId="{E633980E-9CC9-4F19-A0AA-C46C317D1B4D}" dt="2022-11-22T20:40:09.270" v="494" actId="21"/>
+          <ac:picMkLst>
+            <pc:docMk/>
+            <pc:sldMk cId="3690773573" sldId="265"/>
+            <ac:picMk id="6" creationId="{1A9EB10F-00B9-72C4-1D0A-F9A13691C74E}"/>
+          </ac:picMkLst>
+        </pc:picChg>
+        <pc:picChg chg="add mod ord modCrop">
+          <ac:chgData name="lucy lola" userId="059c55e8d42f04d2" providerId="LiveId" clId="{E633980E-9CC9-4F19-A0AA-C46C317D1B4D}" dt="2022-11-22T21:01:42.350" v="1209" actId="1076"/>
+          <ac:picMkLst>
+            <pc:docMk/>
+            <pc:sldMk cId="3690773573" sldId="265"/>
+            <ac:picMk id="8" creationId="{0D9281A8-46E8-DD5D-46C1-F372921E6AD3}"/>
+          </ac:picMkLst>
+        </pc:picChg>
+        <pc:picChg chg="add mod ord modCrop">
+          <ac:chgData name="lucy lola" userId="059c55e8d42f04d2" providerId="LiveId" clId="{E633980E-9CC9-4F19-A0AA-C46C317D1B4D}" dt="2022-11-22T20:46:39.108" v="704" actId="14100"/>
+          <ac:picMkLst>
+            <pc:docMk/>
+            <pc:sldMk cId="3690773573" sldId="265"/>
+            <ac:picMk id="12" creationId="{9D2B177F-6F00-D6DE-EDD3-BE25918984C1}"/>
+          </ac:picMkLst>
+        </pc:picChg>
+      </pc:sldChg>
+      <pc:sldChg chg="addSp delSp modSp new mod ord">
+        <pc:chgData name="lucy lola" userId="059c55e8d42f04d2" providerId="LiveId" clId="{E633980E-9CC9-4F19-A0AA-C46C317D1B4D}" dt="2022-11-22T21:01:23.372" v="1204" actId="207"/>
+        <pc:sldMkLst>
+          <pc:docMk/>
+          <pc:sldMk cId="2221629187" sldId="266"/>
+        </pc:sldMkLst>
+        <pc:spChg chg="mod">
+          <ac:chgData name="lucy lola" userId="059c55e8d42f04d2" providerId="LiveId" clId="{E633980E-9CC9-4F19-A0AA-C46C317D1B4D}" dt="2022-11-22T20:54:57.812" v="879" actId="1076"/>
+          <ac:spMkLst>
+            <pc:docMk/>
+            <pc:sldMk cId="2221629187" sldId="266"/>
+            <ac:spMk id="2" creationId="{0CD7FC0C-7526-4748-86B4-2D90EA41B528}"/>
+          </ac:spMkLst>
+        </pc:spChg>
+        <pc:spChg chg="del">
+          <ac:chgData name="lucy lola" userId="059c55e8d42f04d2" providerId="LiveId" clId="{E633980E-9CC9-4F19-A0AA-C46C317D1B4D}" dt="2022-11-22T20:52:00.410" v="847" actId="22"/>
+          <ac:spMkLst>
+            <pc:docMk/>
+            <pc:sldMk cId="2221629187" sldId="266"/>
+            <ac:spMk id="3" creationId="{59C964B7-94F8-B6DD-1FC5-60AF8DBF5178}"/>
+          </ac:spMkLst>
+        </pc:spChg>
+        <pc:spChg chg="del">
+          <ac:chgData name="lucy lola" userId="059c55e8d42f04d2" providerId="LiveId" clId="{E633980E-9CC9-4F19-A0AA-C46C317D1B4D}" dt="2022-11-22T20:53:36.641" v="862" actId="22"/>
+          <ac:spMkLst>
+            <pc:docMk/>
+            <pc:sldMk cId="2221629187" sldId="266"/>
+            <ac:spMk id="4" creationId="{7C2B3BCB-8CF2-C764-2ECC-3680183FD97D}"/>
+          </ac:spMkLst>
+        </pc:spChg>
+        <pc:spChg chg="add mod">
+          <ac:chgData name="lucy lola" userId="059c55e8d42f04d2" providerId="LiveId" clId="{E633980E-9CC9-4F19-A0AA-C46C317D1B4D}" dt="2022-11-22T21:01:18.827" v="1203" actId="207"/>
+          <ac:spMkLst>
+            <pc:docMk/>
+            <pc:sldMk cId="2221629187" sldId="266"/>
+            <ac:spMk id="9" creationId="{FF3D5199-7075-BAE2-90EC-4C90E5BC3AB2}"/>
+          </ac:spMkLst>
+        </pc:spChg>
+        <pc:spChg chg="add mod">
+          <ac:chgData name="lucy lola" userId="059c55e8d42f04d2" providerId="LiveId" clId="{E633980E-9CC9-4F19-A0AA-C46C317D1B4D}" dt="2022-11-22T21:01:23.372" v="1204" actId="207"/>
+          <ac:spMkLst>
+            <pc:docMk/>
+            <pc:sldMk cId="2221629187" sldId="266"/>
+            <ac:spMk id="10" creationId="{B1A8C0D1-E749-FFB4-2C34-6B232EB8721E}"/>
+          </ac:spMkLst>
+        </pc:spChg>
+        <pc:picChg chg="add mod ord modCrop">
+          <ac:chgData name="lucy lola" userId="059c55e8d42f04d2" providerId="LiveId" clId="{E633980E-9CC9-4F19-A0AA-C46C317D1B4D}" dt="2022-11-22T20:54:31.581" v="876" actId="1076"/>
+          <ac:picMkLst>
+            <pc:docMk/>
+            <pc:sldMk cId="2221629187" sldId="266"/>
+            <ac:picMk id="6" creationId="{CC2F75F0-F3B6-79C1-454A-D261074E9ADB}"/>
+          </ac:picMkLst>
+        </pc:picChg>
+        <pc:picChg chg="add mod ord modCrop">
+          <ac:chgData name="lucy lola" userId="059c55e8d42f04d2" providerId="LiveId" clId="{E633980E-9CC9-4F19-A0AA-C46C317D1B4D}" dt="2022-11-22T20:54:23.019" v="873" actId="1076"/>
+          <ac:picMkLst>
+            <pc:docMk/>
+            <pc:sldMk cId="2221629187" sldId="266"/>
+            <ac:picMk id="8" creationId="{FE527C26-D08C-E10B-4ACB-D1B537D79228}"/>
+          </ac:picMkLst>
+        </pc:picChg>
+      </pc:sldChg>
+      <pc:sldChg chg="addSp delSp modSp new mod">
+        <pc:chgData name="lucy lola" userId="059c55e8d42f04d2" providerId="LiveId" clId="{E633980E-9CC9-4F19-A0AA-C46C317D1B4D}" dt="2022-11-22T21:01:11.236" v="1202" actId="207"/>
+        <pc:sldMkLst>
+          <pc:docMk/>
+          <pc:sldMk cId="1660369066" sldId="267"/>
+        </pc:sldMkLst>
+        <pc:spChg chg="mod">
+          <ac:chgData name="lucy lola" userId="059c55e8d42f04d2" providerId="LiveId" clId="{E633980E-9CC9-4F19-A0AA-C46C317D1B4D}" dt="2022-11-22T20:59:43.226" v="1095" actId="1076"/>
+          <ac:spMkLst>
+            <pc:docMk/>
+            <pc:sldMk cId="1660369066" sldId="267"/>
+            <ac:spMk id="2" creationId="{04ACED30-DEB1-3E7F-8BE8-3120640073C5}"/>
+          </ac:spMkLst>
+        </pc:spChg>
+        <pc:spChg chg="del">
+          <ac:chgData name="lucy lola" userId="059c55e8d42f04d2" providerId="LiveId" clId="{E633980E-9CC9-4F19-A0AA-C46C317D1B4D}" dt="2022-11-22T20:58:38.004" v="1075" actId="22"/>
+          <ac:spMkLst>
+            <pc:docMk/>
+            <pc:sldMk cId="1660369066" sldId="267"/>
+            <ac:spMk id="3" creationId="{74BA9255-917A-4AFF-3777-EC84A80307C6}"/>
+          </ac:spMkLst>
+        </pc:spChg>
+        <pc:spChg chg="del">
+          <ac:chgData name="lucy lola" userId="059c55e8d42f04d2" providerId="LiveId" clId="{E633980E-9CC9-4F19-A0AA-C46C317D1B4D}" dt="2022-11-22T20:59:01.921" v="1081" actId="21"/>
+          <ac:spMkLst>
+            <pc:docMk/>
+            <pc:sldMk cId="1660369066" sldId="267"/>
+            <ac:spMk id="4" creationId="{ED113F19-B483-8E78-C988-6B3D75EA94EB}"/>
+          </ac:spMkLst>
+        </pc:spChg>
+        <pc:spChg chg="add mod">
+          <ac:chgData name="lucy lola" userId="059c55e8d42f04d2" providerId="LiveId" clId="{E633980E-9CC9-4F19-A0AA-C46C317D1B4D}" dt="2022-11-22T21:01:11.236" v="1202" actId="207"/>
+          <ac:spMkLst>
+            <pc:docMk/>
+            <pc:sldMk cId="1660369066" sldId="267"/>
+            <ac:spMk id="7" creationId="{36B3FBD0-4A70-1BDA-3EF6-8652B5A2E4BD}"/>
+          </ac:spMkLst>
+        </pc:spChg>
+        <pc:picChg chg="add mod ord modCrop">
+          <ac:chgData name="lucy lola" userId="059c55e8d42f04d2" providerId="LiveId" clId="{E633980E-9CC9-4F19-A0AA-C46C317D1B4D}" dt="2022-11-22T20:59:46.834" v="1096" actId="1076"/>
+          <ac:picMkLst>
+            <pc:docMk/>
+            <pc:sldMk cId="1660369066" sldId="267"/>
+            <ac:picMk id="6" creationId="{CD8ED519-0735-9BB1-E5D4-9F6AA952C0D1}"/>
+          </ac:picMkLst>
+        </pc:picChg>
       </pc:sldChg>
     </pc:docChg>
   </pc:docChgLst>
@@ -1445,6 +1741,803 @@
 </file>
 
 <file path=ppt/slides/slide1.xml><?xml version="1.0" encoding="utf-8"?>
+<p:sld xmlns:a="http://schemas.openxmlformats.org/drawingml/2006/main" xmlns:r="http://schemas.openxmlformats.org/officeDocument/2006/relationships" xmlns:p="http://schemas.openxmlformats.org/presentationml/2006/main">
+  <p:cSld>
+    <p:spTree>
+      <p:nvGrpSpPr>
+        <p:cNvPr id="1" name=""/>
+        <p:cNvGrpSpPr/>
+        <p:nvPr/>
+      </p:nvGrpSpPr>
+      <p:grpSpPr>
+        <a:xfrm>
+          <a:off x="0" y="0"/>
+          <a:ext cx="0" cy="0"/>
+          <a:chOff x="0" y="0"/>
+          <a:chExt cx="0" cy="0"/>
+        </a:xfrm>
+      </p:grpSpPr>
+      <p:sp>
+        <p:nvSpPr>
+          <p:cNvPr id="2" name="Title 1">
+            <a:extLst>
+              <a:ext uri="{FF2B5EF4-FFF2-40B4-BE49-F238E27FC236}">
+                <a16:creationId xmlns:a16="http://schemas.microsoft.com/office/drawing/2014/main" id="{186A3389-588A-3131-90AE-0E7903FB265C}"/>
+              </a:ext>
+            </a:extLst>
+          </p:cNvPr>
+          <p:cNvSpPr>
+            <a:spLocks noGrp="1"/>
+          </p:cNvSpPr>
+          <p:nvPr>
+            <p:ph type="title"/>
+          </p:nvPr>
+        </p:nvSpPr>
+        <p:spPr>
+          <a:xfrm>
+            <a:off x="3810000" y="65952"/>
+            <a:ext cx="2545080" cy="984885"/>
+          </a:xfrm>
+        </p:spPr>
+        <p:txBody>
+          <a:bodyPr/>
+          <a:lstStyle/>
+          <a:p>
+            <a:r>
+              <a:rPr lang="en-GB" sz="3200" b="1" dirty="0">
+                <a:solidFill>
+                  <a:schemeClr val="accent1">
+                    <a:lumMod val="60000"/>
+                    <a:lumOff val="40000"/>
+                  </a:schemeClr>
+                </a:solidFill>
+              </a:rPr>
+              <a:t>Excel Analysis </a:t>
+            </a:r>
+          </a:p>
+        </p:txBody>
+      </p:sp>
+      <p:pic>
+        <p:nvPicPr>
+          <p:cNvPr id="8" name="Content Placeholder 7">
+            <a:extLst>
+              <a:ext uri="{FF2B5EF4-FFF2-40B4-BE49-F238E27FC236}">
+                <a16:creationId xmlns:a16="http://schemas.microsoft.com/office/drawing/2014/main" id="{256A3976-BCA0-EC94-3D3F-DB115B02560F}"/>
+              </a:ext>
+            </a:extLst>
+          </p:cNvPr>
+          <p:cNvPicPr>
+            <a:picLocks noGrp="1" noChangeAspect="1"/>
+          </p:cNvPicPr>
+          <p:nvPr>
+            <p:ph sz="half" idx="2"/>
+          </p:nvPr>
+        </p:nvPicPr>
+        <p:blipFill rotWithShape="1">
+          <a:blip r:embed="rId2"/>
+          <a:srcRect l="-726" t="31484" r="7294" b="50838"/>
+          <a:stretch/>
+        </p:blipFill>
+        <p:spPr>
+          <a:xfrm>
+            <a:off x="762000" y="1619232"/>
+            <a:ext cx="8788164" cy="1733568"/>
+          </a:xfrm>
+        </p:spPr>
+      </p:pic>
+      <p:sp>
+        <p:nvSpPr>
+          <p:cNvPr id="12" name="TextBox 11">
+            <a:extLst>
+              <a:ext uri="{FF2B5EF4-FFF2-40B4-BE49-F238E27FC236}">
+                <a16:creationId xmlns:a16="http://schemas.microsoft.com/office/drawing/2014/main" id="{DF090432-0C96-8BC9-915D-ADB44A67B99B}"/>
+              </a:ext>
+            </a:extLst>
+          </p:cNvPr>
+          <p:cNvSpPr txBox="1"/>
+          <p:nvPr/>
+        </p:nvSpPr>
+        <p:spPr>
+          <a:xfrm>
+            <a:off x="892742" y="3957936"/>
+            <a:ext cx="8077200" cy="923330"/>
+          </a:xfrm>
+          <a:prstGeom prst="rect">
+            <a:avLst/>
+          </a:prstGeom>
+          <a:noFill/>
+        </p:spPr>
+        <p:txBody>
+          <a:bodyPr wrap="square" rtlCol="0">
+            <a:spAutoFit/>
+          </a:bodyPr>
+          <a:lstStyle/>
+          <a:p>
+            <a:r>
+              <a:rPr lang="en-GB" dirty="0">
+                <a:solidFill>
+                  <a:schemeClr val="accent5">
+                    <a:lumMod val="50000"/>
+                  </a:schemeClr>
+                </a:solidFill>
+              </a:rPr>
+              <a:t>Using MAX function and AVERAGE function to find the Maximum life expectancy and Average Life expectancy in countries with Different status (Developed and Developing </a:t>
+            </a:r>
+          </a:p>
+        </p:txBody>
+      </p:sp>
+      <p:pic>
+        <p:nvPicPr>
+          <p:cNvPr id="17" name="Content Placeholder 16">
+            <a:extLst>
+              <a:ext uri="{FF2B5EF4-FFF2-40B4-BE49-F238E27FC236}">
+                <a16:creationId xmlns:a16="http://schemas.microsoft.com/office/drawing/2014/main" id="{79070184-222D-8FCA-5412-CE7EF6500A9F}"/>
+              </a:ext>
+            </a:extLst>
+          </p:cNvPr>
+          <p:cNvPicPr>
+            <a:picLocks noGrp="1" noChangeAspect="1"/>
+          </p:cNvPicPr>
+          <p:nvPr>
+            <p:ph sz="half" idx="3"/>
+          </p:nvPr>
+        </p:nvPicPr>
+        <p:blipFill>
+          <a:blip r:embed="rId3"/>
+          <a:stretch>
+            <a:fillRect/>
+          </a:stretch>
+        </p:blipFill>
+        <p:spPr>
+          <a:xfrm>
+            <a:off x="648733" y="5038130"/>
+            <a:ext cx="8565219" cy="1362670"/>
+          </a:xfrm>
+          <a:prstGeom prst="rect">
+            <a:avLst/>
+          </a:prstGeom>
+        </p:spPr>
+      </p:pic>
+      <p:sp>
+        <p:nvSpPr>
+          <p:cNvPr id="18" name="TextBox 17">
+            <a:extLst>
+              <a:ext uri="{FF2B5EF4-FFF2-40B4-BE49-F238E27FC236}">
+                <a16:creationId xmlns:a16="http://schemas.microsoft.com/office/drawing/2014/main" id="{AB42B4DC-F81A-59BC-59D1-09242AEAC236}"/>
+              </a:ext>
+            </a:extLst>
+          </p:cNvPr>
+          <p:cNvSpPr txBox="1"/>
+          <p:nvPr/>
+        </p:nvSpPr>
+        <p:spPr>
+          <a:xfrm>
+            <a:off x="1066800" y="762000"/>
+            <a:ext cx="6858000" cy="646331"/>
+          </a:xfrm>
+          <a:prstGeom prst="rect">
+            <a:avLst/>
+          </a:prstGeom>
+          <a:noFill/>
+        </p:spPr>
+        <p:txBody>
+          <a:bodyPr wrap="square" rtlCol="0">
+            <a:spAutoFit/>
+          </a:bodyPr>
+          <a:lstStyle/>
+          <a:p>
+            <a:r>
+              <a:rPr lang="en-GB" dirty="0">
+                <a:solidFill>
+                  <a:schemeClr val="accent5">
+                    <a:lumMod val="50000"/>
+                  </a:schemeClr>
+                </a:solidFill>
+              </a:rPr>
+              <a:t>Using AVERAGEIF function to find average life expectancy and average total expenditure for Various countries</a:t>
+            </a:r>
+          </a:p>
+        </p:txBody>
+      </p:sp>
+    </p:spTree>
+    <p:extLst>
+      <p:ext uri="{BB962C8B-B14F-4D97-AF65-F5344CB8AC3E}">
+        <p14:creationId xmlns:p14="http://schemas.microsoft.com/office/powerpoint/2010/main" val="1735285562"/>
+      </p:ext>
+    </p:extLst>
+  </p:cSld>
+  <p:clrMapOvr>
+    <a:masterClrMapping/>
+  </p:clrMapOvr>
+</p:sld>
+</file>
+
+<file path=ppt/slides/slide2.xml><?xml version="1.0" encoding="utf-8"?>
+<p:sld xmlns:a="http://schemas.openxmlformats.org/drawingml/2006/main" xmlns:r="http://schemas.openxmlformats.org/officeDocument/2006/relationships" xmlns:p="http://schemas.openxmlformats.org/presentationml/2006/main">
+  <p:cSld>
+    <p:spTree>
+      <p:nvGrpSpPr>
+        <p:cNvPr id="1" name=""/>
+        <p:cNvGrpSpPr/>
+        <p:nvPr/>
+      </p:nvGrpSpPr>
+      <p:grpSpPr>
+        <a:xfrm>
+          <a:off x="0" y="0"/>
+          <a:ext cx="0" cy="0"/>
+          <a:chOff x="0" y="0"/>
+          <a:chExt cx="0" cy="0"/>
+        </a:xfrm>
+      </p:grpSpPr>
+      <p:sp>
+        <p:nvSpPr>
+          <p:cNvPr id="2" name="Title 1">
+            <a:extLst>
+              <a:ext uri="{FF2B5EF4-FFF2-40B4-BE49-F238E27FC236}">
+                <a16:creationId xmlns:a16="http://schemas.microsoft.com/office/drawing/2014/main" id="{9BB2EC30-BEF8-4067-706D-91077B5C392F}"/>
+              </a:ext>
+            </a:extLst>
+          </p:cNvPr>
+          <p:cNvSpPr>
+            <a:spLocks noGrp="1"/>
+          </p:cNvSpPr>
+          <p:nvPr>
+            <p:ph type="title"/>
+          </p:nvPr>
+        </p:nvSpPr>
+        <p:spPr>
+          <a:xfrm>
+            <a:off x="3429000" y="0"/>
+            <a:ext cx="2773680" cy="492443"/>
+          </a:xfrm>
+        </p:spPr>
+        <p:txBody>
+          <a:bodyPr/>
+          <a:lstStyle/>
+          <a:p>
+            <a:r>
+              <a:rPr kumimoji="0" lang="en-GB" sz="3200" b="1" i="0" u="none" strike="noStrike" kern="0" cap="none" spc="0" normalizeH="0" baseline="0" noProof="0" dirty="0">
+                <a:ln>
+                  <a:noFill/>
+                </a:ln>
+                <a:solidFill>
+                  <a:srgbClr val="4F81BD">
+                    <a:lumMod val="60000"/>
+                    <a:lumOff val="40000"/>
+                  </a:srgbClr>
+                </a:solidFill>
+                <a:effectLst/>
+                <a:uLnTx/>
+                <a:uFillTx/>
+                <a:latin typeface="Calibri"/>
+                <a:ea typeface="+mj-ea"/>
+                <a:cs typeface="+mj-cs"/>
+              </a:rPr>
+              <a:t>Excel Analysis </a:t>
+            </a:r>
+            <a:endParaRPr lang="en-GB" dirty="0"/>
+          </a:p>
+        </p:txBody>
+      </p:sp>
+      <p:pic>
+        <p:nvPicPr>
+          <p:cNvPr id="8" name="Content Placeholder 7">
+            <a:extLst>
+              <a:ext uri="{FF2B5EF4-FFF2-40B4-BE49-F238E27FC236}">
+                <a16:creationId xmlns:a16="http://schemas.microsoft.com/office/drawing/2014/main" id="{0D9281A8-46E8-DD5D-46C1-F372921E6AD3}"/>
+              </a:ext>
+            </a:extLst>
+          </p:cNvPr>
+          <p:cNvPicPr>
+            <a:picLocks noGrp="1" noChangeAspect="1"/>
+          </p:cNvPicPr>
+          <p:nvPr>
+            <p:ph sz="half" idx="3"/>
+          </p:nvPr>
+        </p:nvPicPr>
+        <p:blipFill rotWithShape="1">
+          <a:blip r:embed="rId2"/>
+          <a:srcRect t="30624" b="17433"/>
+          <a:stretch/>
+        </p:blipFill>
+        <p:spPr>
+          <a:xfrm>
+            <a:off x="571500" y="1429555"/>
+            <a:ext cx="8610600" cy="2514599"/>
+          </a:xfrm>
+        </p:spPr>
+      </p:pic>
+      <p:pic>
+        <p:nvPicPr>
+          <p:cNvPr id="12" name="Content Placeholder 11">
+            <a:extLst>
+              <a:ext uri="{FF2B5EF4-FFF2-40B4-BE49-F238E27FC236}">
+                <a16:creationId xmlns:a16="http://schemas.microsoft.com/office/drawing/2014/main" id="{9D2B177F-6F00-D6DE-EDD3-BE25918984C1}"/>
+              </a:ext>
+            </a:extLst>
+          </p:cNvPr>
+          <p:cNvPicPr>
+            <a:picLocks noGrp="1" noChangeAspect="1"/>
+          </p:cNvPicPr>
+          <p:nvPr>
+            <p:ph sz="half" idx="2"/>
+          </p:nvPr>
+        </p:nvPicPr>
+        <p:blipFill rotWithShape="1">
+          <a:blip r:embed="rId3"/>
+          <a:srcRect t="48346" r="27358" b="14480"/>
+          <a:stretch/>
+        </p:blipFill>
+        <p:spPr>
+          <a:xfrm>
+            <a:off x="914400" y="4953000"/>
+            <a:ext cx="7924800" cy="2120202"/>
+          </a:xfrm>
+        </p:spPr>
+      </p:pic>
+      <p:sp>
+        <p:nvSpPr>
+          <p:cNvPr id="13" name="TextBox 12">
+            <a:extLst>
+              <a:ext uri="{FF2B5EF4-FFF2-40B4-BE49-F238E27FC236}">
+                <a16:creationId xmlns:a16="http://schemas.microsoft.com/office/drawing/2014/main" id="{5AE06E17-D2C9-9DA8-0E8A-CBEA1443107A}"/>
+              </a:ext>
+            </a:extLst>
+          </p:cNvPr>
+          <p:cNvSpPr txBox="1"/>
+          <p:nvPr/>
+        </p:nvSpPr>
+        <p:spPr>
+          <a:xfrm>
+            <a:off x="838200" y="601967"/>
+            <a:ext cx="8604504" cy="646331"/>
+          </a:xfrm>
+          <a:prstGeom prst="rect">
+            <a:avLst/>
+          </a:prstGeom>
+          <a:noFill/>
+        </p:spPr>
+        <p:txBody>
+          <a:bodyPr wrap="square" rtlCol="0">
+            <a:spAutoFit/>
+          </a:bodyPr>
+          <a:lstStyle/>
+          <a:p>
+            <a:r>
+              <a:rPr lang="en-GB" dirty="0">
+                <a:solidFill>
+                  <a:schemeClr val="accent5">
+                    <a:lumMod val="50000"/>
+                  </a:schemeClr>
+                </a:solidFill>
+              </a:rPr>
+              <a:t>Using VLOOKUP to return the Life expectancy VS expenditure for Afghanistan over the years. Performed a quick analysis to show trend</a:t>
+            </a:r>
+          </a:p>
+        </p:txBody>
+      </p:sp>
+      <p:sp>
+        <p:nvSpPr>
+          <p:cNvPr id="14" name="TextBox 13">
+            <a:extLst>
+              <a:ext uri="{FF2B5EF4-FFF2-40B4-BE49-F238E27FC236}">
+                <a16:creationId xmlns:a16="http://schemas.microsoft.com/office/drawing/2014/main" id="{6BD6EB0E-5F87-7C74-65C2-5B9B8C054488}"/>
+              </a:ext>
+            </a:extLst>
+          </p:cNvPr>
+          <p:cNvSpPr txBox="1"/>
+          <p:nvPr/>
+        </p:nvSpPr>
+        <p:spPr>
+          <a:xfrm>
+            <a:off x="914400" y="4191000"/>
+            <a:ext cx="6858000" cy="646331"/>
+          </a:xfrm>
+          <a:prstGeom prst="rect">
+            <a:avLst/>
+          </a:prstGeom>
+          <a:noFill/>
+        </p:spPr>
+        <p:txBody>
+          <a:bodyPr wrap="square" rtlCol="0">
+            <a:spAutoFit/>
+          </a:bodyPr>
+          <a:lstStyle/>
+          <a:p>
+            <a:r>
+              <a:rPr lang="en-GB" dirty="0">
+                <a:solidFill>
+                  <a:schemeClr val="accent5">
+                    <a:lumMod val="50000"/>
+                  </a:schemeClr>
+                </a:solidFill>
+              </a:rPr>
+              <a:t>Using IF statement to make logical comparison between above average life expectancy (&gt;65) and below average life expectancy(&lt;65)</a:t>
+            </a:r>
+          </a:p>
+        </p:txBody>
+      </p:sp>
+    </p:spTree>
+    <p:extLst>
+      <p:ext uri="{BB962C8B-B14F-4D97-AF65-F5344CB8AC3E}">
+        <p14:creationId xmlns:p14="http://schemas.microsoft.com/office/powerpoint/2010/main" val="3690773573"/>
+      </p:ext>
+    </p:extLst>
+  </p:cSld>
+  <p:clrMapOvr>
+    <a:masterClrMapping/>
+  </p:clrMapOvr>
+</p:sld>
+</file>
+
+<file path=ppt/slides/slide3.xml><?xml version="1.0" encoding="utf-8"?>
+<p:sld xmlns:a="http://schemas.openxmlformats.org/drawingml/2006/main" xmlns:r="http://schemas.openxmlformats.org/officeDocument/2006/relationships" xmlns:p="http://schemas.openxmlformats.org/presentationml/2006/main">
+  <p:cSld>
+    <p:spTree>
+      <p:nvGrpSpPr>
+        <p:cNvPr id="1" name=""/>
+        <p:cNvGrpSpPr/>
+        <p:nvPr/>
+      </p:nvGrpSpPr>
+      <p:grpSpPr>
+        <a:xfrm>
+          <a:off x="0" y="0"/>
+          <a:ext cx="0" cy="0"/>
+          <a:chOff x="0" y="0"/>
+          <a:chExt cx="0" cy="0"/>
+        </a:xfrm>
+      </p:grpSpPr>
+      <p:sp>
+        <p:nvSpPr>
+          <p:cNvPr id="2" name="Title 1">
+            <a:extLst>
+              <a:ext uri="{FF2B5EF4-FFF2-40B4-BE49-F238E27FC236}">
+                <a16:creationId xmlns:a16="http://schemas.microsoft.com/office/drawing/2014/main" id="{0CD7FC0C-7526-4748-86B4-2D90EA41B528}"/>
+              </a:ext>
+            </a:extLst>
+          </p:cNvPr>
+          <p:cNvSpPr>
+            <a:spLocks noGrp="1"/>
+          </p:cNvSpPr>
+          <p:nvPr>
+            <p:ph type="title"/>
+          </p:nvPr>
+        </p:nvSpPr>
+        <p:spPr>
+          <a:xfrm>
+            <a:off x="3352800" y="17721"/>
+            <a:ext cx="2621280" cy="492443"/>
+          </a:xfrm>
+        </p:spPr>
+        <p:txBody>
+          <a:bodyPr/>
+          <a:lstStyle/>
+          <a:p>
+            <a:r>
+              <a:rPr kumimoji="0" lang="en-GB" sz="3200" b="1" i="0" u="none" strike="noStrike" kern="0" cap="none" spc="0" normalizeH="0" baseline="0" noProof="0" dirty="0">
+                <a:ln>
+                  <a:noFill/>
+                </a:ln>
+                <a:solidFill>
+                  <a:srgbClr val="4F81BD">
+                    <a:lumMod val="60000"/>
+                    <a:lumOff val="40000"/>
+                  </a:srgbClr>
+                </a:solidFill>
+                <a:effectLst/>
+                <a:uLnTx/>
+                <a:uFillTx/>
+                <a:latin typeface="Calibri"/>
+                <a:ea typeface="+mj-ea"/>
+                <a:cs typeface="+mj-cs"/>
+              </a:rPr>
+              <a:t>Excel Analysis </a:t>
+            </a:r>
+            <a:endParaRPr lang="en-GB" dirty="0"/>
+          </a:p>
+        </p:txBody>
+      </p:sp>
+      <p:pic>
+        <p:nvPicPr>
+          <p:cNvPr id="6" name="Content Placeholder 5">
+            <a:extLst>
+              <a:ext uri="{FF2B5EF4-FFF2-40B4-BE49-F238E27FC236}">
+                <a16:creationId xmlns:a16="http://schemas.microsoft.com/office/drawing/2014/main" id="{CC2F75F0-F3B6-79C1-454A-D261074E9ADB}"/>
+              </a:ext>
+            </a:extLst>
+          </p:cNvPr>
+          <p:cNvPicPr>
+            <a:picLocks noGrp="1" noChangeAspect="1"/>
+          </p:cNvPicPr>
+          <p:nvPr>
+            <p:ph sz="half" idx="2"/>
+          </p:nvPr>
+        </p:nvPicPr>
+        <p:blipFill rotWithShape="1">
+          <a:blip r:embed="rId2"/>
+          <a:srcRect l="14625" t="20297" r="33126" b="28688"/>
+          <a:stretch/>
+        </p:blipFill>
+        <p:spPr>
+          <a:xfrm>
+            <a:off x="502920" y="1871330"/>
+            <a:ext cx="4578911" cy="3429000"/>
+          </a:xfrm>
+        </p:spPr>
+      </p:pic>
+      <p:pic>
+        <p:nvPicPr>
+          <p:cNvPr id="8" name="Content Placeholder 7">
+            <a:extLst>
+              <a:ext uri="{FF2B5EF4-FFF2-40B4-BE49-F238E27FC236}">
+                <a16:creationId xmlns:a16="http://schemas.microsoft.com/office/drawing/2014/main" id="{FE527C26-D08C-E10B-4ACB-D1B537D79228}"/>
+              </a:ext>
+            </a:extLst>
+          </p:cNvPr>
+          <p:cNvPicPr>
+            <a:picLocks noGrp="1" noChangeAspect="1"/>
+          </p:cNvPicPr>
+          <p:nvPr>
+            <p:ph sz="half" idx="3"/>
+          </p:nvPr>
+        </p:nvPicPr>
+        <p:blipFill rotWithShape="1">
+          <a:blip r:embed="rId3"/>
+          <a:srcRect l="15711" t="20756" r="26814" b="10084"/>
+          <a:stretch/>
+        </p:blipFill>
+        <p:spPr>
+          <a:xfrm>
+            <a:off x="5257800" y="1871330"/>
+            <a:ext cx="4029075" cy="3429000"/>
+          </a:xfrm>
+        </p:spPr>
+      </p:pic>
+      <p:sp>
+        <p:nvSpPr>
+          <p:cNvPr id="9" name="TextBox 8">
+            <a:extLst>
+              <a:ext uri="{FF2B5EF4-FFF2-40B4-BE49-F238E27FC236}">
+                <a16:creationId xmlns:a16="http://schemas.microsoft.com/office/drawing/2014/main" id="{FF3D5199-7075-BAE2-90EC-4C90E5BC3AB2}"/>
+              </a:ext>
+            </a:extLst>
+          </p:cNvPr>
+          <p:cNvSpPr txBox="1"/>
+          <p:nvPr/>
+        </p:nvSpPr>
+        <p:spPr>
+          <a:xfrm>
+            <a:off x="478111" y="1143000"/>
+            <a:ext cx="3657600" cy="646331"/>
+          </a:xfrm>
+          <a:prstGeom prst="rect">
+            <a:avLst/>
+          </a:prstGeom>
+          <a:noFill/>
+        </p:spPr>
+        <p:txBody>
+          <a:bodyPr wrap="square" rtlCol="0">
+            <a:spAutoFit/>
+          </a:bodyPr>
+          <a:lstStyle/>
+          <a:p>
+            <a:r>
+              <a:rPr lang="en-GB" dirty="0">
+                <a:solidFill>
+                  <a:schemeClr val="accent5">
+                    <a:lumMod val="50000"/>
+                  </a:schemeClr>
+                </a:solidFill>
+              </a:rPr>
+              <a:t>Life expectancy in Afghanistan between 2000 and 2015</a:t>
+            </a:r>
+          </a:p>
+        </p:txBody>
+      </p:sp>
+      <p:sp>
+        <p:nvSpPr>
+          <p:cNvPr id="10" name="TextBox 9">
+            <a:extLst>
+              <a:ext uri="{FF2B5EF4-FFF2-40B4-BE49-F238E27FC236}">
+                <a16:creationId xmlns:a16="http://schemas.microsoft.com/office/drawing/2014/main" id="{B1A8C0D1-E749-FFB4-2C34-6B232EB8721E}"/>
+              </a:ext>
+            </a:extLst>
+          </p:cNvPr>
+          <p:cNvSpPr txBox="1"/>
+          <p:nvPr/>
+        </p:nvSpPr>
+        <p:spPr>
+          <a:xfrm>
+            <a:off x="5295015" y="1142999"/>
+            <a:ext cx="4029074" cy="646331"/>
+          </a:xfrm>
+          <a:prstGeom prst="rect">
+            <a:avLst/>
+          </a:prstGeom>
+          <a:noFill/>
+        </p:spPr>
+        <p:txBody>
+          <a:bodyPr wrap="square" rtlCol="0">
+            <a:spAutoFit/>
+          </a:bodyPr>
+          <a:lstStyle/>
+          <a:p>
+            <a:r>
+              <a:rPr lang="en-GB" dirty="0">
+                <a:solidFill>
+                  <a:schemeClr val="accent5">
+                    <a:lumMod val="50000"/>
+                  </a:schemeClr>
+                </a:solidFill>
+              </a:rPr>
+              <a:t>Difference in Life expectancy between developed and developing countries  </a:t>
+            </a:r>
+          </a:p>
+        </p:txBody>
+      </p:sp>
+    </p:spTree>
+    <p:extLst>
+      <p:ext uri="{BB962C8B-B14F-4D97-AF65-F5344CB8AC3E}">
+        <p14:creationId xmlns:p14="http://schemas.microsoft.com/office/powerpoint/2010/main" val="2221629187"/>
+      </p:ext>
+    </p:extLst>
+  </p:cSld>
+  <p:clrMapOvr>
+    <a:masterClrMapping/>
+  </p:clrMapOvr>
+</p:sld>
+</file>
+
+<file path=ppt/slides/slide4.xml><?xml version="1.0" encoding="utf-8"?>
+<p:sld xmlns:a="http://schemas.openxmlformats.org/drawingml/2006/main" xmlns:r="http://schemas.openxmlformats.org/officeDocument/2006/relationships" xmlns:p="http://schemas.openxmlformats.org/presentationml/2006/main">
+  <p:cSld>
+    <p:spTree>
+      <p:nvGrpSpPr>
+        <p:cNvPr id="1" name=""/>
+        <p:cNvGrpSpPr/>
+        <p:nvPr/>
+      </p:nvGrpSpPr>
+      <p:grpSpPr>
+        <a:xfrm>
+          <a:off x="0" y="0"/>
+          <a:ext cx="0" cy="0"/>
+          <a:chOff x="0" y="0"/>
+          <a:chExt cx="0" cy="0"/>
+        </a:xfrm>
+      </p:grpSpPr>
+      <p:sp>
+        <p:nvSpPr>
+          <p:cNvPr id="2" name="Title 1">
+            <a:extLst>
+              <a:ext uri="{FF2B5EF4-FFF2-40B4-BE49-F238E27FC236}">
+                <a16:creationId xmlns:a16="http://schemas.microsoft.com/office/drawing/2014/main" id="{04ACED30-DEB1-3E7F-8BE8-3120640073C5}"/>
+              </a:ext>
+            </a:extLst>
+          </p:cNvPr>
+          <p:cNvSpPr>
+            <a:spLocks noGrp="1"/>
+          </p:cNvSpPr>
+          <p:nvPr>
+            <p:ph type="title"/>
+          </p:nvPr>
+        </p:nvSpPr>
+        <p:spPr>
+          <a:xfrm>
+            <a:off x="3657600" y="0"/>
+            <a:ext cx="2468880" cy="492443"/>
+          </a:xfrm>
+        </p:spPr>
+        <p:txBody>
+          <a:bodyPr/>
+          <a:lstStyle/>
+          <a:p>
+            <a:r>
+              <a:rPr kumimoji="0" lang="en-GB" sz="3200" b="1" i="0" u="none" strike="noStrike" kern="0" cap="none" spc="0" normalizeH="0" baseline="0" noProof="0" dirty="0">
+                <a:ln>
+                  <a:noFill/>
+                </a:ln>
+                <a:solidFill>
+                  <a:srgbClr val="4F81BD">
+                    <a:lumMod val="60000"/>
+                    <a:lumOff val="40000"/>
+                  </a:srgbClr>
+                </a:solidFill>
+                <a:effectLst/>
+                <a:uLnTx/>
+                <a:uFillTx/>
+                <a:latin typeface="Calibri"/>
+                <a:ea typeface="+mj-ea"/>
+                <a:cs typeface="+mj-cs"/>
+              </a:rPr>
+              <a:t>Excel Analysis </a:t>
+            </a:r>
+            <a:endParaRPr lang="en-GB" dirty="0"/>
+          </a:p>
+        </p:txBody>
+      </p:sp>
+      <p:pic>
+        <p:nvPicPr>
+          <p:cNvPr id="6" name="Content Placeholder 5">
+            <a:extLst>
+              <a:ext uri="{FF2B5EF4-FFF2-40B4-BE49-F238E27FC236}">
+                <a16:creationId xmlns:a16="http://schemas.microsoft.com/office/drawing/2014/main" id="{CD8ED519-0735-9BB1-E5D4-9F6AA952C0D1}"/>
+              </a:ext>
+            </a:extLst>
+          </p:cNvPr>
+          <p:cNvPicPr>
+            <a:picLocks noGrp="1" noChangeAspect="1"/>
+          </p:cNvPicPr>
+          <p:nvPr>
+            <p:ph sz="half" idx="2"/>
+          </p:nvPr>
+        </p:nvPicPr>
+        <p:blipFill rotWithShape="1">
+          <a:blip r:embed="rId2"/>
+          <a:srcRect l="15545" t="15489" r="25240" b="10164"/>
+          <a:stretch/>
+        </p:blipFill>
+        <p:spPr>
+          <a:xfrm>
+            <a:off x="685800" y="1066800"/>
+            <a:ext cx="5715000" cy="3505200"/>
+          </a:xfrm>
+        </p:spPr>
+      </p:pic>
+      <p:sp>
+        <p:nvSpPr>
+          <p:cNvPr id="7" name="TextBox 6">
+            <a:extLst>
+              <a:ext uri="{FF2B5EF4-FFF2-40B4-BE49-F238E27FC236}">
+                <a16:creationId xmlns:a16="http://schemas.microsoft.com/office/drawing/2014/main" id="{36B3FBD0-4A70-1BDA-3EF6-8652B5A2E4BD}"/>
+              </a:ext>
+            </a:extLst>
+          </p:cNvPr>
+          <p:cNvSpPr txBox="1"/>
+          <p:nvPr/>
+        </p:nvSpPr>
+        <p:spPr>
+          <a:xfrm>
+            <a:off x="6705600" y="1143000"/>
+            <a:ext cx="2743200" cy="1477328"/>
+          </a:xfrm>
+          <a:prstGeom prst="rect">
+            <a:avLst/>
+          </a:prstGeom>
+          <a:noFill/>
+        </p:spPr>
+        <p:txBody>
+          <a:bodyPr wrap="square" rtlCol="0">
+            <a:spAutoFit/>
+          </a:bodyPr>
+          <a:lstStyle/>
+          <a:p>
+            <a:r>
+              <a:rPr lang="en-GB" dirty="0">
+                <a:solidFill>
+                  <a:schemeClr val="accent5">
+                    <a:lumMod val="50000"/>
+                  </a:schemeClr>
+                </a:solidFill>
+              </a:rPr>
+              <a:t>Correlation between average life expectancy and average total expenditure across various countries </a:t>
+            </a:r>
+          </a:p>
+        </p:txBody>
+      </p:sp>
+    </p:spTree>
+    <p:extLst>
+      <p:ext uri="{BB962C8B-B14F-4D97-AF65-F5344CB8AC3E}">
+        <p14:creationId xmlns:p14="http://schemas.microsoft.com/office/powerpoint/2010/main" val="1660369066"/>
+      </p:ext>
+    </p:extLst>
+  </p:cSld>
+  <p:clrMapOvr>
+    <a:masterClrMapping/>
+  </p:clrMapOvr>
+</p:sld>
+</file>
+
+<file path=ppt/slides/slide5.xml><?xml version="1.0" encoding="utf-8"?>
 <p:sld xmlns:a="http://schemas.openxmlformats.org/drawingml/2006/main" xmlns:r="http://schemas.openxmlformats.org/officeDocument/2006/relationships" xmlns:p="http://schemas.openxmlformats.org/presentationml/2006/main" showMasterSp="0">
   <p:cSld>
     <p:spTree>
@@ -7429,7 +8522,7 @@
 </p:sld>
 </file>
 
-<file path=ppt/slides/slide2.xml><?xml version="1.0" encoding="utf-8"?>
+<file path=ppt/slides/slide6.xml><?xml version="1.0" encoding="utf-8"?>
 <p:sld xmlns:a="http://schemas.openxmlformats.org/drawingml/2006/main" xmlns:r="http://schemas.openxmlformats.org/officeDocument/2006/relationships" xmlns:p="http://schemas.openxmlformats.org/presentationml/2006/main" showMasterSp="0">
   <p:cSld>
     <p:spTree>
@@ -12692,7 +13785,7 @@
 </p:sld>
 </file>
 
-<file path=ppt/slides/slide3.xml><?xml version="1.0" encoding="utf-8"?>
+<file path=ppt/slides/slide7.xml><?xml version="1.0" encoding="utf-8"?>
 <p:sld xmlns:a="http://schemas.openxmlformats.org/drawingml/2006/main" xmlns:r="http://schemas.openxmlformats.org/officeDocument/2006/relationships" xmlns:p="http://schemas.openxmlformats.org/presentationml/2006/main" showMasterSp="0">
   <p:cSld>
     <p:spTree>
@@ -19306,7 +20399,7 @@
 </p:sld>
 </file>
 
-<file path=ppt/slides/slide4.xml><?xml version="1.0" encoding="utf-8"?>
+<file path=ppt/slides/slide8.xml><?xml version="1.0" encoding="utf-8"?>
 <p:sld xmlns:a="http://schemas.openxmlformats.org/drawingml/2006/main" xmlns:r="http://schemas.openxmlformats.org/officeDocument/2006/relationships" xmlns:p="http://schemas.openxmlformats.org/presentationml/2006/main" showMasterSp="0">
   <p:cSld>
     <p:spTree>
@@ -33312,7 +34405,7 @@
 </p:sld>
 </file>
 
-<file path=ppt/slides/slide5.xml><?xml version="1.0" encoding="utf-8"?>
+<file path=ppt/slides/slide9.xml><?xml version="1.0" encoding="utf-8"?>
 <p:sld xmlns:a="http://schemas.openxmlformats.org/drawingml/2006/main" xmlns:r="http://schemas.openxmlformats.org/officeDocument/2006/relationships" xmlns:p="http://schemas.openxmlformats.org/presentationml/2006/main">
   <p:cSld>
     <p:spTree>
